--- a/SpamEmailClassification/ml final.pptx
+++ b/SpamEmailClassification/ml final.pptx
@@ -310,7 +310,7 @@
             <a:fld id="{B61BEF0D-F0BB-DE4B-95CE-6DB70DBA9567}" type="datetimeFigureOut">
               <a:rPr lang="en-US" dirty="0"/>
               <a:pPr/>
-              <a:t>12/1/15</a:t>
+              <a:t>12/2/15</a:t>
             </a:fld>
             <a:endParaRPr lang="en-US" dirty="0"/>
           </a:p>
@@ -645,7 +645,7 @@
             <a:fld id="{B61BEF0D-F0BB-DE4B-95CE-6DB70DBA9567}" type="datetimeFigureOut">
               <a:rPr lang="en-US" dirty="0"/>
               <a:pPr/>
-              <a:t>12/1/15</a:t>
+              <a:t>12/2/15</a:t>
             </a:fld>
             <a:endParaRPr lang="en-US" dirty="0"/>
           </a:p>
@@ -1043,7 +1043,7 @@
             <a:fld id="{B61BEF0D-F0BB-DE4B-95CE-6DB70DBA9567}" type="datetimeFigureOut">
               <a:rPr lang="en-US" dirty="0"/>
               <a:pPr/>
-              <a:t>12/1/15</a:t>
+              <a:t>12/2/15</a:t>
             </a:fld>
             <a:endParaRPr lang="en-US" dirty="0"/>
           </a:p>
@@ -1376,7 +1376,7 @@
             <a:fld id="{B61BEF0D-F0BB-DE4B-95CE-6DB70DBA9567}" type="datetimeFigureOut">
               <a:rPr lang="en-US" dirty="0"/>
               <a:pPr/>
-              <a:t>12/1/15</a:t>
+              <a:t>12/2/15</a:t>
             </a:fld>
             <a:endParaRPr lang="en-US" dirty="0"/>
           </a:p>
@@ -1693,7 +1693,7 @@
             <a:fld id="{B61BEF0D-F0BB-DE4B-95CE-6DB70DBA9567}" type="datetimeFigureOut">
               <a:rPr lang="en-US" dirty="0"/>
               <a:pPr/>
-              <a:t>12/1/15</a:t>
+              <a:t>12/2/15</a:t>
             </a:fld>
             <a:endParaRPr lang="en-US" dirty="0"/>
           </a:p>
@@ -2086,7 +2086,7 @@
             <a:fld id="{B61BEF0D-F0BB-DE4B-95CE-6DB70DBA9567}" type="datetimeFigureOut">
               <a:rPr lang="en-US" dirty="0"/>
               <a:pPr/>
-              <a:t>12/1/15</a:t>
+              <a:t>12/2/15</a:t>
             </a:fld>
             <a:endParaRPr lang="en-US" dirty="0"/>
           </a:p>
@@ -2340,7 +2340,7 @@
             <a:fld id="{B61BEF0D-F0BB-DE4B-95CE-6DB70DBA9567}" type="datetimeFigureOut">
               <a:rPr lang="en-US" dirty="0"/>
               <a:pPr/>
-              <a:t>12/1/15</a:t>
+              <a:t>12/2/15</a:t>
             </a:fld>
             <a:endParaRPr lang="en-US" dirty="0"/>
           </a:p>
@@ -2599,7 +2599,7 @@
             <a:fld id="{B61BEF0D-F0BB-DE4B-95CE-6DB70DBA9567}" type="datetimeFigureOut">
               <a:rPr lang="en-US" dirty="0"/>
               <a:pPr/>
-              <a:t>12/1/15</a:t>
+              <a:t>12/2/15</a:t>
             </a:fld>
             <a:endParaRPr lang="en-US" dirty="0"/>
           </a:p>
@@ -2858,7 +2858,7 @@
             <a:fld id="{B61BEF0D-F0BB-DE4B-95CE-6DB70DBA9567}" type="datetimeFigureOut">
               <a:rPr lang="en-US" dirty="0"/>
               <a:pPr/>
-              <a:t>12/1/15</a:t>
+              <a:t>12/2/15</a:t>
             </a:fld>
             <a:endParaRPr lang="en-US" dirty="0"/>
           </a:p>
@@ -3184,7 +3184,7 @@
             <a:fld id="{B61BEF0D-F0BB-DE4B-95CE-6DB70DBA9567}" type="datetimeFigureOut">
               <a:rPr lang="en-US" dirty="0"/>
               <a:pPr/>
-              <a:t>12/1/15</a:t>
+              <a:t>12/2/15</a:t>
             </a:fld>
             <a:endParaRPr lang="en-US" dirty="0"/>
           </a:p>
@@ -3504,7 +3504,7 @@
             <a:fld id="{B61BEF0D-F0BB-DE4B-95CE-6DB70DBA9567}" type="datetimeFigureOut">
               <a:rPr lang="en-US" dirty="0"/>
               <a:pPr/>
-              <a:t>12/1/15</a:t>
+              <a:t>12/2/15</a:t>
             </a:fld>
             <a:endParaRPr lang="en-US" dirty="0"/>
           </a:p>
@@ -3958,7 +3958,7 @@
             <a:fld id="{B61BEF0D-F0BB-DE4B-95CE-6DB70DBA9567}" type="datetimeFigureOut">
               <a:rPr lang="en-US" dirty="0"/>
               <a:pPr/>
-              <a:t>12/1/15</a:t>
+              <a:t>12/2/15</a:t>
             </a:fld>
             <a:endParaRPr lang="en-US" dirty="0"/>
           </a:p>
@@ -4160,7 +4160,7 @@
             <a:fld id="{B61BEF0D-F0BB-DE4B-95CE-6DB70DBA9567}" type="datetimeFigureOut">
               <a:rPr lang="en-US" dirty="0"/>
               <a:pPr/>
-              <a:t>12/1/15</a:t>
+              <a:t>12/2/15</a:t>
             </a:fld>
             <a:endParaRPr lang="en-US" dirty="0"/>
           </a:p>
@@ -4334,7 +4334,7 @@
             <a:fld id="{B61BEF0D-F0BB-DE4B-95CE-6DB70DBA9567}" type="datetimeFigureOut">
               <a:rPr lang="en-US" dirty="0"/>
               <a:pPr/>
-              <a:t>12/1/15</a:t>
+              <a:t>12/2/15</a:t>
             </a:fld>
             <a:endParaRPr lang="en-US" dirty="0"/>
           </a:p>
@@ -4664,7 +4664,7 @@
             <a:fld id="{B61BEF0D-F0BB-DE4B-95CE-6DB70DBA9567}" type="datetimeFigureOut">
               <a:rPr lang="en-US" dirty="0"/>
               <a:pPr/>
-              <a:t>12/1/15</a:t>
+              <a:t>12/2/15</a:t>
             </a:fld>
             <a:endParaRPr lang="en-US" dirty="0"/>
           </a:p>
@@ -5006,7 +5006,7 @@
             <a:fld id="{B61BEF0D-F0BB-DE4B-95CE-6DB70DBA9567}" type="datetimeFigureOut">
               <a:rPr lang="en-US" dirty="0"/>
               <a:pPr/>
-              <a:t>12/1/15</a:t>
+              <a:t>12/2/15</a:t>
             </a:fld>
             <a:endParaRPr lang="en-US" dirty="0"/>
           </a:p>
@@ -7120,7 +7120,7 @@
             <a:fld id="{B61BEF0D-F0BB-DE4B-95CE-6DB70DBA9567}" type="datetimeFigureOut">
               <a:rPr lang="en-US" dirty="0"/>
               <a:pPr/>
-              <a:t>12/1/15</a:t>
+              <a:t>12/2/15</a:t>
             </a:fld>
             <a:endParaRPr lang="en-US" dirty="0"/>
           </a:p>
@@ -7651,11 +7651,7 @@
           <a:p>
             <a:r>
               <a:rPr lang="en-US" dirty="0" smtClean="0"/>
-              <a:t>Spam Email </a:t>
-            </a:r>
-            <a:r>
-              <a:rPr lang="en-US" dirty="0" smtClean="0"/>
-              <a:t>Detection </a:t>
+              <a:t>Spam Email Detection </a:t>
             </a:r>
             <a:endParaRPr lang="en-US" dirty="0"/>
           </a:p>
@@ -7686,11 +7682,7 @@
             </a:r>
             <a:r>
               <a:rPr lang="en-US" dirty="0" smtClean="0"/>
-              <a:t>Decision and Support Vector </a:t>
-            </a:r>
-            <a:r>
-              <a:rPr lang="en-US" dirty="0" smtClean="0"/>
-              <a:t>Machine</a:t>
+              <a:t>Decision and Support Vector Machine</a:t>
             </a:r>
           </a:p>
           <a:p>
@@ -7779,32 +7771,6 @@
       </p:grpSpPr>
       <p:sp>
         <p:nvSpPr>
-          <p:cNvPr id="2" name="Title 1"/>
-          <p:cNvSpPr>
-            <a:spLocks noGrp="1"/>
-          </p:cNvSpPr>
-          <p:nvPr>
-            <p:ph type="title"/>
-          </p:nvPr>
-        </p:nvSpPr>
-        <p:spPr>
-          <a:xfrm>
-            <a:off x="2592925" y="624110"/>
-            <a:ext cx="8911687" cy="495242"/>
-          </a:xfrm>
-        </p:spPr>
-        <p:txBody>
-          <a:bodyPr>
-            <a:normAutofit fontScale="90000"/>
-          </a:bodyPr>
-          <a:lstStyle/>
-          <a:p>
-            <a:endParaRPr lang="en-US" dirty="0"/>
-          </a:p>
-        </p:txBody>
-      </p:sp>
-      <p:sp>
-        <p:nvSpPr>
           <p:cNvPr id="3" name="Content Placeholder 2"/>
           <p:cNvSpPr>
             <a:spLocks noGrp="1"/>
@@ -7917,32 +7883,6 @@
           <a:chExt cx="0" cy="0"/>
         </a:xfrm>
       </p:grpSpPr>
-      <p:sp>
-        <p:nvSpPr>
-          <p:cNvPr id="2" name="Title 1"/>
-          <p:cNvSpPr>
-            <a:spLocks noGrp="1"/>
-          </p:cNvSpPr>
-          <p:nvPr>
-            <p:ph type="title"/>
-          </p:nvPr>
-        </p:nvSpPr>
-        <p:spPr>
-          <a:xfrm flipV="1">
-            <a:off x="2592925" y="173421"/>
-            <a:ext cx="8911687" cy="110358"/>
-          </a:xfrm>
-        </p:spPr>
-        <p:txBody>
-          <a:bodyPr>
-            <a:normAutofit fontScale="90000"/>
-          </a:bodyPr>
-          <a:lstStyle/>
-          <a:p>
-            <a:endParaRPr lang="en-US"/>
-          </a:p>
-        </p:txBody>
-      </p:sp>
       <mc:AlternateContent xmlns:mc="http://schemas.openxmlformats.org/markup-compatibility/2006" xmlns:a14="http://schemas.microsoft.com/office/drawing/2010/main">
         <mc:Choice Requires="a14">
           <p:sp>
@@ -7986,7 +7926,7 @@
                   <a:buNone/>
                 </a:pPr>
                 <a14:m>
-                  <m:oMath xmlns:m="http://schemas.openxmlformats.org/officeDocument/2006/math" xmlns="">
+                  <m:oMath xmlns="" xmlns:m="http://schemas.openxmlformats.org/officeDocument/2006/math">
                     <m:r>
                       <a:rPr lang="en-US" sz="4000" i="1" smtClean="0">
                         <a:latin typeface="Cambria Math" charset="0"/>
@@ -8014,7 +7954,7 @@
                   <a:buNone/>
                 </a:pPr>
                 <a14:m>
-                  <m:oMath xmlns:m="http://schemas.openxmlformats.org/officeDocument/2006/math" xmlns="">
+                  <m:oMath xmlns="" xmlns:m="http://schemas.openxmlformats.org/officeDocument/2006/math">
                     <m:r>
                       <a:rPr lang="en-US" sz="4000" i="1" smtClean="0">
                         <a:latin typeface="Cambria Math" charset="0"/>
@@ -8042,7 +7982,7 @@
                   <a:buNone/>
                 </a:pPr>
                 <a14:m>
-                  <m:oMath xmlns:m="http://schemas.openxmlformats.org/officeDocument/2006/math" xmlns="">
+                  <m:oMath xmlns="" xmlns:m="http://schemas.openxmlformats.org/officeDocument/2006/math">
                     <m:r>
                       <a:rPr lang="en-US" sz="4000" i="1" smtClean="0">
                         <a:latin typeface="Cambria Math" charset="0"/>
@@ -8082,7 +8022,7 @@
                   <a:buNone/>
                 </a:pPr>
                 <a14:m>
-                  <m:oMath xmlns:m="http://schemas.openxmlformats.org/officeDocument/2006/math" xmlns="">
+                  <m:oMath xmlns="" xmlns:m="http://schemas.openxmlformats.org/officeDocument/2006/math">
                     <m:r>
                       <a:rPr lang="en-US" sz="4000" i="1" smtClean="0">
                         <a:latin typeface="Cambria Math" charset="0"/>
@@ -8110,7 +8050,7 @@
                   <a:buNone/>
                 </a:pPr>
                 <a14:m>
-                  <m:oMath xmlns:m="http://schemas.openxmlformats.org/officeDocument/2006/math" xmlns="">
+                  <m:oMath xmlns="" xmlns:m="http://schemas.openxmlformats.org/officeDocument/2006/math">
                     <m:r>
                       <a:rPr lang="en-US" sz="4000" i="1" smtClean="0">
                         <a:latin typeface="Cambria Math" charset="0"/>
@@ -8138,7 +8078,7 @@
                   <a:buNone/>
                 </a:pPr>
                 <a14:m>
-                  <m:oMath xmlns:m="http://schemas.openxmlformats.org/officeDocument/2006/math" xmlns="">
+                  <m:oMath xmlns="" xmlns:m="http://schemas.openxmlformats.org/officeDocument/2006/math">
                     <m:r>
                       <a:rPr lang="en-US" sz="4000" i="1" smtClean="0">
                         <a:latin typeface="Cambria Math" charset="0"/>
@@ -8262,8 +8202,12 @@
           <a:lstStyle/>
           <a:p>
             <a:r>
+              <a:rPr lang="en-US" sz="4000" dirty="0" smtClean="0"/>
+              <a:t>Accuracy of SVM</a:t>
+            </a:r>
+            <a:r>
               <a:rPr lang="en-US" sz="4800" dirty="0" smtClean="0"/>
-              <a:t>Accuracy</a:t>
+              <a:t> </a:t>
             </a:r>
             <a:r>
               <a:rPr lang="en-US" dirty="0" smtClean="0"/>
@@ -8291,10 +8235,38 @@
           <a:bodyPr/>
           <a:lstStyle/>
           <a:p>
-            <a:r>
-              <a:rPr lang="en-US" sz="7200" dirty="0"/>
-              <a:t>84%</a:t>
-            </a:r>
+            <a:pPr marL="0" indent="0">
+              <a:buNone/>
+            </a:pPr>
+            <a:r>
+              <a:rPr lang="en-US" sz="2800" dirty="0" smtClean="0"/>
+              <a:t>C(cost)=1000</a:t>
+            </a:r>
+          </a:p>
+          <a:p>
+            <a:pPr marL="0" indent="0">
+              <a:buNone/>
+            </a:pPr>
+            <a:r>
+              <a:rPr lang="en-US" sz="2800" dirty="0" smtClean="0"/>
+              <a:t>G(gamma)=0.1</a:t>
+            </a:r>
+          </a:p>
+          <a:p>
+            <a:pPr marL="0" indent="0">
+              <a:buNone/>
+            </a:pPr>
+            <a:endParaRPr lang="en-US" sz="2800" dirty="0"/>
+          </a:p>
+          <a:p>
+            <a:pPr marL="0" indent="0">
+              <a:buNone/>
+            </a:pPr>
+            <a:r>
+              <a:rPr lang="en-US" sz="2800" dirty="0" smtClean="0"/>
+              <a:t>Accuracy= 87.3308%</a:t>
+            </a:r>
+            <a:endParaRPr lang="en-US" sz="2800" dirty="0"/>
           </a:p>
           <a:p>
             <a:endParaRPr lang="en-US" dirty="0"/>
@@ -8381,7 +8353,7 @@
         </p:spPr>
         <p:txBody>
           <a:bodyPr>
-            <a:normAutofit fontScale="92500" lnSpcReduction="10000"/>
+            <a:normAutofit/>
           </a:bodyPr>
           <a:lstStyle/>
           <a:p>
@@ -8389,41 +8361,41 @@
               <a:buNone/>
             </a:pPr>
             <a:r>
-              <a:rPr lang="en-US" sz="3500" dirty="0">
+              <a:rPr lang="en-US" sz="3000" dirty="0">
                 <a:ea typeface="Century" charset="0"/>
                 <a:cs typeface="Century" charset="0"/>
               </a:rPr>
               <a:t>For </a:t>
             </a:r>
             <a:r>
-              <a:rPr lang="en-US" sz="3500" dirty="0" err="1">
+              <a:rPr lang="en-US" sz="3000" dirty="0" err="1">
                 <a:ea typeface="Century" charset="0"/>
                 <a:cs typeface="Century" charset="0"/>
               </a:rPr>
               <a:t>Bayesion</a:t>
             </a:r>
             <a:r>
-              <a:rPr lang="en-US" sz="3500" dirty="0">
+              <a:rPr lang="en-US" sz="3000" dirty="0">
                 <a:ea typeface="Century" charset="0"/>
                 <a:cs typeface="Century" charset="0"/>
               </a:rPr>
               <a:t> Decision, instead of using pre-assign probability 0.5, we can use other researchers’ result as pre-assign probability. We may also do cross validation to train best </a:t>
             </a:r>
             <a:r>
-              <a:rPr lang="en-US" altLang="zh-CN" sz="3500" dirty="0" smtClean="0">
+              <a:rPr lang="en-US" altLang="zh-CN" sz="3000" dirty="0" smtClean="0">
                 <a:ea typeface="Century" charset="0"/>
                 <a:cs typeface="Century" charset="0"/>
               </a:rPr>
               <a:t>lambda</a:t>
             </a:r>
             <a:r>
-              <a:rPr lang="en-US" sz="3500" dirty="0" smtClean="0">
+              <a:rPr lang="en-US" sz="3000" dirty="0" smtClean="0">
                 <a:ea typeface="Century" charset="0"/>
                 <a:cs typeface="Century" charset="0"/>
               </a:rPr>
               <a:t>.</a:t>
             </a:r>
-            <a:endParaRPr lang="en-US" sz="3500" dirty="0">
+            <a:endParaRPr lang="en-US" sz="3000" dirty="0">
               <a:ea typeface="Century" charset="0"/>
               <a:cs typeface="Century" charset="0"/>
             </a:endParaRPr>
@@ -8433,7 +8405,7 @@
               <a:buNone/>
             </a:pPr>
             <a:r>
-              <a:rPr lang="en-US" sz="3500" dirty="0">
+              <a:rPr lang="en-US" sz="2800" dirty="0">
                 <a:ea typeface="Century" charset="0"/>
                 <a:cs typeface="Century" charset="0"/>
               </a:rPr>
@@ -8937,32 +8909,6 @@
           <a:chExt cx="0" cy="0"/>
         </a:xfrm>
       </p:grpSpPr>
-      <p:sp>
-        <p:nvSpPr>
-          <p:cNvPr id="2" name="Title 1"/>
-          <p:cNvSpPr>
-            <a:spLocks noGrp="1"/>
-          </p:cNvSpPr>
-          <p:nvPr>
-            <p:ph type="title"/>
-          </p:nvPr>
-        </p:nvSpPr>
-        <p:spPr>
-          <a:xfrm>
-            <a:off x="2592925" y="624110"/>
-            <a:ext cx="8911687" cy="384883"/>
-          </a:xfrm>
-        </p:spPr>
-        <p:txBody>
-          <a:bodyPr>
-            <a:normAutofit fontScale="90000"/>
-          </a:bodyPr>
-          <a:lstStyle/>
-          <a:p>
-            <a:endParaRPr lang="en-US"/>
-          </a:p>
-        </p:txBody>
-      </p:sp>
       <mc:AlternateContent xmlns:mc="http://schemas.openxmlformats.org/markup-compatibility/2006" xmlns:a14="http://schemas.microsoft.com/office/drawing/2010/main">
         <mc:Choice Requires="a14">
           <p:sp>
@@ -9118,7 +9064,7 @@
                   <a:buNone/>
                 </a:pPr>
                 <a14:m>
-                  <m:oMath xmlns:m="http://schemas.openxmlformats.org/officeDocument/2006/math" xmlns="">
+                  <m:oMath xmlns="" xmlns:m="http://schemas.openxmlformats.org/officeDocument/2006/math">
                     <m:r>
                       <a:rPr lang="en-US" i="1" smtClean="0">
                         <a:latin typeface="Cambria Math" charset="0"/>
@@ -9152,7 +9098,7 @@
                   <a:buNone/>
                 </a:pPr>
                 <a14:m>
-                  <m:oMath xmlns:m="http://schemas.openxmlformats.org/officeDocument/2006/math" xmlns="">
+                  <m:oMath xmlns="" xmlns:m="http://schemas.openxmlformats.org/officeDocument/2006/math">
                     <m:r>
                       <a:rPr lang="en-US" i="1" smtClean="0">
                         <a:latin typeface="Cambria Math" charset="0"/>
@@ -9732,25 +9678,6 @@
       </p:grpSpPr>
       <p:sp>
         <p:nvSpPr>
-          <p:cNvPr id="2" name="Title 1"/>
-          <p:cNvSpPr>
-            <a:spLocks noGrp="1"/>
-          </p:cNvSpPr>
-          <p:nvPr>
-            <p:ph type="title"/>
-          </p:nvPr>
-        </p:nvSpPr>
-        <p:spPr/>
-        <p:txBody>
-          <a:bodyPr/>
-          <a:lstStyle/>
-          <a:p>
-            <a:endParaRPr lang="en-US"/>
-          </a:p>
-        </p:txBody>
-      </p:sp>
-      <p:sp>
-        <p:nvSpPr>
           <p:cNvPr id="3" name="Content Placeholder 2"/>
           <p:cNvSpPr>
             <a:spLocks noGrp="1"/>
@@ -10008,11 +9935,7 @@
           <a:p>
             <a:r>
               <a:rPr lang="en-US" dirty="0" smtClean="0"/>
-              <a:t>(4)</a:t>
-            </a:r>
-            <a:r>
-              <a:rPr lang="en-US" dirty="0" smtClean="0"/>
-              <a:t>. </a:t>
+              <a:t>(4). </a:t>
             </a:r>
             <a:r>
               <a:rPr lang="en-US" sz="2400" b="1" dirty="0" smtClean="0"/>
@@ -11167,7 +11090,7 @@
   <a:extraClrSchemeLst/>
   <a:extLst>
     <a:ext uri="{05A4C25C-085E-4340-85A3-A5531E510DB2}">
-      <thm15:themeFamily xmlns:thm15="http://schemas.microsoft.com/office/thememl/2012/main" xmlns="" name="Wisp" id="{7CB32D59-10C0-40DD-B7BD-2E94284A981C}" vid="{24B1A44C-C006-48B2-A4D7-E5549B3D8CD4}"/>
+      <thm15:themeFamily xmlns="" xmlns:thm15="http://schemas.microsoft.com/office/thememl/2012/main" name="Wisp" id="{7CB32D59-10C0-40DD-B7BD-2E94284A981C}" vid="{24B1A44C-C006-48B2-A4D7-E5549B3D8CD4}"/>
     </a:ext>
   </a:extLst>
 </a:theme>
